--- a/other/dev log.pptx
+++ b/other/dev log.pptx
@@ -376,7 +376,7 @@
           <a:p>
             <a:fld id="{95BB3272-C847-43E3-AE34-83B2109F1449}" type="datetimeFigureOut">
               <a:rPr lang="en-GB" smtClean="0"/>
-              <a:t>17/06/2020</a:t>
+              <a:t>09/07/2020</a:t>
             </a:fld>
             <a:endParaRPr lang="en-GB"/>
           </a:p>
@@ -576,7 +576,7 @@
           <a:p>
             <a:fld id="{95BB3272-C847-43E3-AE34-83B2109F1449}" type="datetimeFigureOut">
               <a:rPr lang="en-GB" smtClean="0"/>
-              <a:t>17/06/2020</a:t>
+              <a:t>09/07/2020</a:t>
             </a:fld>
             <a:endParaRPr lang="en-GB"/>
           </a:p>
@@ -786,7 +786,7 @@
           <a:p>
             <a:fld id="{95BB3272-C847-43E3-AE34-83B2109F1449}" type="datetimeFigureOut">
               <a:rPr lang="en-GB" smtClean="0"/>
-              <a:t>17/06/2020</a:t>
+              <a:t>09/07/2020</a:t>
             </a:fld>
             <a:endParaRPr lang="en-GB"/>
           </a:p>
@@ -986,7 +986,7 @@
           <a:p>
             <a:fld id="{95BB3272-C847-43E3-AE34-83B2109F1449}" type="datetimeFigureOut">
               <a:rPr lang="en-GB" smtClean="0"/>
-              <a:t>17/06/2020</a:t>
+              <a:t>09/07/2020</a:t>
             </a:fld>
             <a:endParaRPr lang="en-GB"/>
           </a:p>
@@ -1262,7 +1262,7 @@
           <a:p>
             <a:fld id="{95BB3272-C847-43E3-AE34-83B2109F1449}" type="datetimeFigureOut">
               <a:rPr lang="en-GB" smtClean="0"/>
-              <a:t>17/06/2020</a:t>
+              <a:t>09/07/2020</a:t>
             </a:fld>
             <a:endParaRPr lang="en-GB"/>
           </a:p>
@@ -1530,7 +1530,7 @@
           <a:p>
             <a:fld id="{95BB3272-C847-43E3-AE34-83B2109F1449}" type="datetimeFigureOut">
               <a:rPr lang="en-GB" smtClean="0"/>
-              <a:t>17/06/2020</a:t>
+              <a:t>09/07/2020</a:t>
             </a:fld>
             <a:endParaRPr lang="en-GB"/>
           </a:p>
@@ -1945,7 +1945,7 @@
           <a:p>
             <a:fld id="{95BB3272-C847-43E3-AE34-83B2109F1449}" type="datetimeFigureOut">
               <a:rPr lang="en-GB" smtClean="0"/>
-              <a:t>17/06/2020</a:t>
+              <a:t>09/07/2020</a:t>
             </a:fld>
             <a:endParaRPr lang="en-GB"/>
           </a:p>
@@ -2087,7 +2087,7 @@
           <a:p>
             <a:fld id="{95BB3272-C847-43E3-AE34-83B2109F1449}" type="datetimeFigureOut">
               <a:rPr lang="en-GB" smtClean="0"/>
-              <a:t>17/06/2020</a:t>
+              <a:t>09/07/2020</a:t>
             </a:fld>
             <a:endParaRPr lang="en-GB"/>
           </a:p>
@@ -2200,7 +2200,7 @@
           <a:p>
             <a:fld id="{95BB3272-C847-43E3-AE34-83B2109F1449}" type="datetimeFigureOut">
               <a:rPr lang="en-GB" smtClean="0"/>
-              <a:t>17/06/2020</a:t>
+              <a:t>09/07/2020</a:t>
             </a:fld>
             <a:endParaRPr lang="en-GB"/>
           </a:p>
@@ -2513,7 +2513,7 @@
           <a:p>
             <a:fld id="{95BB3272-C847-43E3-AE34-83B2109F1449}" type="datetimeFigureOut">
               <a:rPr lang="en-GB" smtClean="0"/>
-              <a:t>17/06/2020</a:t>
+              <a:t>09/07/2020</a:t>
             </a:fld>
             <a:endParaRPr lang="en-GB"/>
           </a:p>
@@ -2802,7 +2802,7 @@
           <a:p>
             <a:fld id="{95BB3272-C847-43E3-AE34-83B2109F1449}" type="datetimeFigureOut">
               <a:rPr lang="en-GB" smtClean="0"/>
-              <a:t>17/06/2020</a:t>
+              <a:t>09/07/2020</a:t>
             </a:fld>
             <a:endParaRPr lang="en-GB"/>
           </a:p>
@@ -3045,7 +3045,7 @@
           <a:p>
             <a:fld id="{95BB3272-C847-43E3-AE34-83B2109F1449}" type="datetimeFigureOut">
               <a:rPr lang="en-GB" smtClean="0"/>
-              <a:t>17/06/2020</a:t>
+              <a:t>09/07/2020</a:t>
             </a:fld>
             <a:endParaRPr lang="en-GB"/>
           </a:p>
@@ -9946,7 +9946,7 @@
           <a:p>
             <a:r>
               <a:rPr lang="en-GB" dirty="0"/>
-              <a:t>Linear search for server = O(N)= worst case O(1) = best case O(1/2) = average as I am looking for a unique primary key</a:t>
+              <a:t>Linear search for server = O(N)= worst case O(1) = best case O(1/2N) = average as I am looking for a unique primary key</a:t>
             </a:r>
           </a:p>
         </p:txBody>

--- a/other/dev log.pptx
+++ b/other/dev log.pptx
@@ -48,7 +48,8 @@
     <p:sldId id="287" r:id="rId42"/>
     <p:sldId id="290" r:id="rId43"/>
     <p:sldId id="300" r:id="rId44"/>
-    <p:sldId id="289" r:id="rId45"/>
+    <p:sldId id="301" r:id="rId45"/>
+    <p:sldId id="289" r:id="rId46"/>
   </p:sldIdLst>
   <p:sldSz cx="12192000" cy="6858000"/>
   <p:notesSz cx="6858000" cy="9144000"/>
@@ -213,6 +214,11 @@
             <p14:sldId id="300"/>
           </p14:sldIdLst>
         </p14:section>
+        <p14:section name="User interface/front end" id="{7F7CDCB5-50B3-4F98-93FA-A701A980199A}">
+          <p14:sldIdLst>
+            <p14:sldId id="301"/>
+          </p14:sldIdLst>
+        </p14:section>
         <p14:section name="password/encryption" id="{777C459F-DCA0-4D8A-A8E2-379703C0BB6F}">
           <p14:sldIdLst>
             <p14:sldId id="289"/>
@@ -376,7 +382,7 @@
           <a:p>
             <a:fld id="{95BB3272-C847-43E3-AE34-83B2109F1449}" type="datetimeFigureOut">
               <a:rPr lang="en-GB" smtClean="0"/>
-              <a:t>09/07/2020</a:t>
+              <a:t>21/07/2020</a:t>
             </a:fld>
             <a:endParaRPr lang="en-GB"/>
           </a:p>
@@ -576,7 +582,7 @@
           <a:p>
             <a:fld id="{95BB3272-C847-43E3-AE34-83B2109F1449}" type="datetimeFigureOut">
               <a:rPr lang="en-GB" smtClean="0"/>
-              <a:t>09/07/2020</a:t>
+              <a:t>21/07/2020</a:t>
             </a:fld>
             <a:endParaRPr lang="en-GB"/>
           </a:p>
@@ -786,7 +792,7 @@
           <a:p>
             <a:fld id="{95BB3272-C847-43E3-AE34-83B2109F1449}" type="datetimeFigureOut">
               <a:rPr lang="en-GB" smtClean="0"/>
-              <a:t>09/07/2020</a:t>
+              <a:t>21/07/2020</a:t>
             </a:fld>
             <a:endParaRPr lang="en-GB"/>
           </a:p>
@@ -986,7 +992,7 @@
           <a:p>
             <a:fld id="{95BB3272-C847-43E3-AE34-83B2109F1449}" type="datetimeFigureOut">
               <a:rPr lang="en-GB" smtClean="0"/>
-              <a:t>09/07/2020</a:t>
+              <a:t>21/07/2020</a:t>
             </a:fld>
             <a:endParaRPr lang="en-GB"/>
           </a:p>
@@ -1262,7 +1268,7 @@
           <a:p>
             <a:fld id="{95BB3272-C847-43E3-AE34-83B2109F1449}" type="datetimeFigureOut">
               <a:rPr lang="en-GB" smtClean="0"/>
-              <a:t>09/07/2020</a:t>
+              <a:t>21/07/2020</a:t>
             </a:fld>
             <a:endParaRPr lang="en-GB"/>
           </a:p>
@@ -1530,7 +1536,7 @@
           <a:p>
             <a:fld id="{95BB3272-C847-43E3-AE34-83B2109F1449}" type="datetimeFigureOut">
               <a:rPr lang="en-GB" smtClean="0"/>
-              <a:t>09/07/2020</a:t>
+              <a:t>21/07/2020</a:t>
             </a:fld>
             <a:endParaRPr lang="en-GB"/>
           </a:p>
@@ -1945,7 +1951,7 @@
           <a:p>
             <a:fld id="{95BB3272-C847-43E3-AE34-83B2109F1449}" type="datetimeFigureOut">
               <a:rPr lang="en-GB" smtClean="0"/>
-              <a:t>09/07/2020</a:t>
+              <a:t>21/07/2020</a:t>
             </a:fld>
             <a:endParaRPr lang="en-GB"/>
           </a:p>
@@ -2087,7 +2093,7 @@
           <a:p>
             <a:fld id="{95BB3272-C847-43E3-AE34-83B2109F1449}" type="datetimeFigureOut">
               <a:rPr lang="en-GB" smtClean="0"/>
-              <a:t>09/07/2020</a:t>
+              <a:t>21/07/2020</a:t>
             </a:fld>
             <a:endParaRPr lang="en-GB"/>
           </a:p>
@@ -2200,7 +2206,7 @@
           <a:p>
             <a:fld id="{95BB3272-C847-43E3-AE34-83B2109F1449}" type="datetimeFigureOut">
               <a:rPr lang="en-GB" smtClean="0"/>
-              <a:t>09/07/2020</a:t>
+              <a:t>21/07/2020</a:t>
             </a:fld>
             <a:endParaRPr lang="en-GB"/>
           </a:p>
@@ -2513,7 +2519,7 @@
           <a:p>
             <a:fld id="{95BB3272-C847-43E3-AE34-83B2109F1449}" type="datetimeFigureOut">
               <a:rPr lang="en-GB" smtClean="0"/>
-              <a:t>09/07/2020</a:t>
+              <a:t>21/07/2020</a:t>
             </a:fld>
             <a:endParaRPr lang="en-GB"/>
           </a:p>
@@ -2802,7 +2808,7 @@
           <a:p>
             <a:fld id="{95BB3272-C847-43E3-AE34-83B2109F1449}" type="datetimeFigureOut">
               <a:rPr lang="en-GB" smtClean="0"/>
-              <a:t>09/07/2020</a:t>
+              <a:t>21/07/2020</a:t>
             </a:fld>
             <a:endParaRPr lang="en-GB"/>
           </a:p>
@@ -3045,7 +3051,7 @@
           <a:p>
             <a:fld id="{95BB3272-C847-43E3-AE34-83B2109F1449}" type="datetimeFigureOut">
               <a:rPr lang="en-GB" smtClean="0"/>
-              <a:t>09/07/2020</a:t>
+              <a:t>21/07/2020</a:t>
             </a:fld>
             <a:endParaRPr lang="en-GB"/>
           </a:p>
@@ -9040,6 +9046,114 @@
           <p:cNvPr id="2" name="Title 1">
             <a:extLst>
               <a:ext uri="{FF2B5EF4-FFF2-40B4-BE49-F238E27FC236}">
+                <a16:creationId xmlns:a16="http://schemas.microsoft.com/office/drawing/2014/main" id="{1268F0D7-E502-4671-80F8-D61B4A5FF414}"/>
+              </a:ext>
+            </a:extLst>
+          </p:cNvPr>
+          <p:cNvSpPr>
+            <a:spLocks noGrp="1"/>
+          </p:cNvSpPr>
+          <p:nvPr>
+            <p:ph type="title"/>
+          </p:nvPr>
+        </p:nvSpPr>
+        <p:spPr/>
+        <p:txBody>
+          <a:bodyPr/>
+          <a:lstStyle/>
+          <a:p>
+            <a:r>
+              <a:rPr lang="en-GB" dirty="0"/>
+              <a:t>pygame</a:t>
+            </a:r>
+          </a:p>
+        </p:txBody>
+      </p:sp>
+      <p:sp>
+        <p:nvSpPr>
+          <p:cNvPr id="3" name="Content Placeholder 2">
+            <a:extLst>
+              <a:ext uri="{FF2B5EF4-FFF2-40B4-BE49-F238E27FC236}">
+                <a16:creationId xmlns:a16="http://schemas.microsoft.com/office/drawing/2014/main" id="{32742E73-BF5A-44F0-8C9B-3EF1E69B235E}"/>
+              </a:ext>
+            </a:extLst>
+          </p:cNvPr>
+          <p:cNvSpPr>
+            <a:spLocks noGrp="1"/>
+          </p:cNvSpPr>
+          <p:nvPr>
+            <p:ph idx="1"/>
+          </p:nvPr>
+        </p:nvSpPr>
+        <p:spPr/>
+        <p:txBody>
+          <a:bodyPr/>
+          <a:lstStyle/>
+          <a:p>
+            <a:r>
+              <a:rPr lang="en-GB" dirty="0"/>
+              <a:t>Due to how the event loop and image handling works in pyQT a separate pygame application may be the best solution, there is precedent for this in actual games and applications such as “</a:t>
+            </a:r>
+            <a:r>
+              <a:rPr lang="en-GB" dirty="0" err="1"/>
+              <a:t>assetto</a:t>
+            </a:r>
+            <a:r>
+              <a:rPr lang="en-GB" dirty="0"/>
+              <a:t> </a:t>
+            </a:r>
+            <a:r>
+              <a:rPr lang="en-GB" dirty="0" err="1"/>
+              <a:t>corsa</a:t>
+            </a:r>
+            <a:r>
+              <a:rPr lang="en-GB" dirty="0"/>
+              <a:t>” or any game with a  launcher</a:t>
+            </a:r>
+          </a:p>
+          <a:p>
+            <a:r>
+              <a:rPr lang="en-GB" dirty="0"/>
+              <a:t>This can be launched from a module using parameters from the main application, maybe have it write to local files so that pyQT can them read it when the game finishes</a:t>
+            </a:r>
+          </a:p>
+        </p:txBody>
+      </p:sp>
+    </p:spTree>
+    <p:extLst>
+      <p:ext uri="{BB962C8B-B14F-4D97-AF65-F5344CB8AC3E}">
+        <p14:creationId xmlns:p14="http://schemas.microsoft.com/office/powerpoint/2010/main" val="3561498456"/>
+      </p:ext>
+    </p:extLst>
+  </p:cSld>
+  <p:clrMapOvr>
+    <a:masterClrMapping/>
+  </p:clrMapOvr>
+</p:sld>
+</file>
+
+<file path=ppt/slides/slide45.xml><?xml version="1.0" encoding="utf-8"?>
+<p:sld xmlns:a="http://schemas.openxmlformats.org/drawingml/2006/main" xmlns:r="http://schemas.openxmlformats.org/officeDocument/2006/relationships" xmlns:p="http://schemas.openxmlformats.org/presentationml/2006/main">
+  <p:cSld>
+    <p:spTree>
+      <p:nvGrpSpPr>
+        <p:cNvPr id="1" name=""/>
+        <p:cNvGrpSpPr/>
+        <p:nvPr/>
+      </p:nvGrpSpPr>
+      <p:grpSpPr>
+        <a:xfrm>
+          <a:off x="0" y="0"/>
+          <a:ext cx="0" cy="0"/>
+          <a:chOff x="0" y="0"/>
+          <a:chExt cx="0" cy="0"/>
+        </a:xfrm>
+      </p:grpSpPr>
+      <p:sp>
+        <p:nvSpPr>
+          <p:cNvPr id="2" name="Title 1">
+            <a:extLst>
+              <a:ext uri="{FF2B5EF4-FFF2-40B4-BE49-F238E27FC236}">
                 <a16:creationId xmlns:a16="http://schemas.microsoft.com/office/drawing/2014/main" id="{8C420C27-33F0-478B-B5E0-A092E635F2D0}"/>
               </a:ext>
             </a:extLst>

--- a/other/dev log.pptx
+++ b/other/dev log.pptx
@@ -382,7 +382,7 @@
           <a:p>
             <a:fld id="{95BB3272-C847-43E3-AE34-83B2109F1449}" type="datetimeFigureOut">
               <a:rPr lang="en-GB" smtClean="0"/>
-              <a:t>21/07/2020</a:t>
+              <a:t>02/09/2020</a:t>
             </a:fld>
             <a:endParaRPr lang="en-GB"/>
           </a:p>
@@ -582,7 +582,7 @@
           <a:p>
             <a:fld id="{95BB3272-C847-43E3-AE34-83B2109F1449}" type="datetimeFigureOut">
               <a:rPr lang="en-GB" smtClean="0"/>
-              <a:t>21/07/2020</a:t>
+              <a:t>02/09/2020</a:t>
             </a:fld>
             <a:endParaRPr lang="en-GB"/>
           </a:p>
@@ -792,7 +792,7 @@
           <a:p>
             <a:fld id="{95BB3272-C847-43E3-AE34-83B2109F1449}" type="datetimeFigureOut">
               <a:rPr lang="en-GB" smtClean="0"/>
-              <a:t>21/07/2020</a:t>
+              <a:t>02/09/2020</a:t>
             </a:fld>
             <a:endParaRPr lang="en-GB"/>
           </a:p>
@@ -992,7 +992,7 @@
           <a:p>
             <a:fld id="{95BB3272-C847-43E3-AE34-83B2109F1449}" type="datetimeFigureOut">
               <a:rPr lang="en-GB" smtClean="0"/>
-              <a:t>21/07/2020</a:t>
+              <a:t>02/09/2020</a:t>
             </a:fld>
             <a:endParaRPr lang="en-GB"/>
           </a:p>
@@ -1268,7 +1268,7 @@
           <a:p>
             <a:fld id="{95BB3272-C847-43E3-AE34-83B2109F1449}" type="datetimeFigureOut">
               <a:rPr lang="en-GB" smtClean="0"/>
-              <a:t>21/07/2020</a:t>
+              <a:t>02/09/2020</a:t>
             </a:fld>
             <a:endParaRPr lang="en-GB"/>
           </a:p>
@@ -1536,7 +1536,7 @@
           <a:p>
             <a:fld id="{95BB3272-C847-43E3-AE34-83B2109F1449}" type="datetimeFigureOut">
               <a:rPr lang="en-GB" smtClean="0"/>
-              <a:t>21/07/2020</a:t>
+              <a:t>02/09/2020</a:t>
             </a:fld>
             <a:endParaRPr lang="en-GB"/>
           </a:p>
@@ -1951,7 +1951,7 @@
           <a:p>
             <a:fld id="{95BB3272-C847-43E3-AE34-83B2109F1449}" type="datetimeFigureOut">
               <a:rPr lang="en-GB" smtClean="0"/>
-              <a:t>21/07/2020</a:t>
+              <a:t>02/09/2020</a:t>
             </a:fld>
             <a:endParaRPr lang="en-GB"/>
           </a:p>
@@ -2093,7 +2093,7 @@
           <a:p>
             <a:fld id="{95BB3272-C847-43E3-AE34-83B2109F1449}" type="datetimeFigureOut">
               <a:rPr lang="en-GB" smtClean="0"/>
-              <a:t>21/07/2020</a:t>
+              <a:t>02/09/2020</a:t>
             </a:fld>
             <a:endParaRPr lang="en-GB"/>
           </a:p>
@@ -2206,7 +2206,7 @@
           <a:p>
             <a:fld id="{95BB3272-C847-43E3-AE34-83B2109F1449}" type="datetimeFigureOut">
               <a:rPr lang="en-GB" smtClean="0"/>
-              <a:t>21/07/2020</a:t>
+              <a:t>02/09/2020</a:t>
             </a:fld>
             <a:endParaRPr lang="en-GB"/>
           </a:p>
@@ -2519,7 +2519,7 @@
           <a:p>
             <a:fld id="{95BB3272-C847-43E3-AE34-83B2109F1449}" type="datetimeFigureOut">
               <a:rPr lang="en-GB" smtClean="0"/>
-              <a:t>21/07/2020</a:t>
+              <a:t>02/09/2020</a:t>
             </a:fld>
             <a:endParaRPr lang="en-GB"/>
           </a:p>
@@ -2808,7 +2808,7 @@
           <a:p>
             <a:fld id="{95BB3272-C847-43E3-AE34-83B2109F1449}" type="datetimeFigureOut">
               <a:rPr lang="en-GB" smtClean="0"/>
-              <a:t>21/07/2020</a:t>
+              <a:t>02/09/2020</a:t>
             </a:fld>
             <a:endParaRPr lang="en-GB"/>
           </a:p>
@@ -3051,7 +3051,7 @@
           <a:p>
             <a:fld id="{95BB3272-C847-43E3-AE34-83B2109F1449}" type="datetimeFigureOut">
               <a:rPr lang="en-GB" smtClean="0"/>
-              <a:t>21/07/2020</a:t>
+              <a:t>02/09/2020</a:t>
             </a:fld>
             <a:endParaRPr lang="en-GB"/>
           </a:p>
@@ -5492,7 +5492,7 @@
         </p:nvSpPr>
         <p:spPr>
           <a:xfrm>
-            <a:off x="836612" y="1223486"/>
+            <a:off x="865190" y="1278732"/>
             <a:ext cx="5157787" cy="823912"/>
           </a:xfrm>
         </p:spPr>
@@ -8299,7 +8299,7 @@
           <a:p>
             <a:r>
               <a:rPr lang="en-GB" dirty="0"/>
-              <a:t>Hashed to receiver unique id</a:t>
+              <a:t>Hashed to receive unique id</a:t>
             </a:r>
           </a:p>
           <a:p>

--- a/other/dev log.pptx
+++ b/other/dev log.pptx
@@ -382,7 +382,7 @@
           <a:p>
             <a:fld id="{95BB3272-C847-43E3-AE34-83B2109F1449}" type="datetimeFigureOut">
               <a:rPr lang="en-GB" smtClean="0"/>
-              <a:t>02/09/2020</a:t>
+              <a:t>03/09/2020</a:t>
             </a:fld>
             <a:endParaRPr lang="en-GB"/>
           </a:p>
@@ -582,7 +582,7 @@
           <a:p>
             <a:fld id="{95BB3272-C847-43E3-AE34-83B2109F1449}" type="datetimeFigureOut">
               <a:rPr lang="en-GB" smtClean="0"/>
-              <a:t>02/09/2020</a:t>
+              <a:t>03/09/2020</a:t>
             </a:fld>
             <a:endParaRPr lang="en-GB"/>
           </a:p>
@@ -792,7 +792,7 @@
           <a:p>
             <a:fld id="{95BB3272-C847-43E3-AE34-83B2109F1449}" type="datetimeFigureOut">
               <a:rPr lang="en-GB" smtClean="0"/>
-              <a:t>02/09/2020</a:t>
+              <a:t>03/09/2020</a:t>
             </a:fld>
             <a:endParaRPr lang="en-GB"/>
           </a:p>
@@ -992,7 +992,7 @@
           <a:p>
             <a:fld id="{95BB3272-C847-43E3-AE34-83B2109F1449}" type="datetimeFigureOut">
               <a:rPr lang="en-GB" smtClean="0"/>
-              <a:t>02/09/2020</a:t>
+              <a:t>03/09/2020</a:t>
             </a:fld>
             <a:endParaRPr lang="en-GB"/>
           </a:p>
@@ -1268,7 +1268,7 @@
           <a:p>
             <a:fld id="{95BB3272-C847-43E3-AE34-83B2109F1449}" type="datetimeFigureOut">
               <a:rPr lang="en-GB" smtClean="0"/>
-              <a:t>02/09/2020</a:t>
+              <a:t>03/09/2020</a:t>
             </a:fld>
             <a:endParaRPr lang="en-GB"/>
           </a:p>
@@ -1536,7 +1536,7 @@
           <a:p>
             <a:fld id="{95BB3272-C847-43E3-AE34-83B2109F1449}" type="datetimeFigureOut">
               <a:rPr lang="en-GB" smtClean="0"/>
-              <a:t>02/09/2020</a:t>
+              <a:t>03/09/2020</a:t>
             </a:fld>
             <a:endParaRPr lang="en-GB"/>
           </a:p>
@@ -1951,7 +1951,7 @@
           <a:p>
             <a:fld id="{95BB3272-C847-43E3-AE34-83B2109F1449}" type="datetimeFigureOut">
               <a:rPr lang="en-GB" smtClean="0"/>
-              <a:t>02/09/2020</a:t>
+              <a:t>03/09/2020</a:t>
             </a:fld>
             <a:endParaRPr lang="en-GB"/>
           </a:p>
@@ -2093,7 +2093,7 @@
           <a:p>
             <a:fld id="{95BB3272-C847-43E3-AE34-83B2109F1449}" type="datetimeFigureOut">
               <a:rPr lang="en-GB" smtClean="0"/>
-              <a:t>02/09/2020</a:t>
+              <a:t>03/09/2020</a:t>
             </a:fld>
             <a:endParaRPr lang="en-GB"/>
           </a:p>
@@ -2206,7 +2206,7 @@
           <a:p>
             <a:fld id="{95BB3272-C847-43E3-AE34-83B2109F1449}" type="datetimeFigureOut">
               <a:rPr lang="en-GB" smtClean="0"/>
-              <a:t>02/09/2020</a:t>
+              <a:t>03/09/2020</a:t>
             </a:fld>
             <a:endParaRPr lang="en-GB"/>
           </a:p>
@@ -2519,7 +2519,7 @@
           <a:p>
             <a:fld id="{95BB3272-C847-43E3-AE34-83B2109F1449}" type="datetimeFigureOut">
               <a:rPr lang="en-GB" smtClean="0"/>
-              <a:t>02/09/2020</a:t>
+              <a:t>03/09/2020</a:t>
             </a:fld>
             <a:endParaRPr lang="en-GB"/>
           </a:p>
@@ -2808,7 +2808,7 @@
           <a:p>
             <a:fld id="{95BB3272-C847-43E3-AE34-83B2109F1449}" type="datetimeFigureOut">
               <a:rPr lang="en-GB" smtClean="0"/>
-              <a:t>02/09/2020</a:t>
+              <a:t>03/09/2020</a:t>
             </a:fld>
             <a:endParaRPr lang="en-GB"/>
           </a:p>
@@ -3051,7 +3051,7 @@
           <a:p>
             <a:fld id="{95BB3272-C847-43E3-AE34-83B2109F1449}" type="datetimeFigureOut">
               <a:rPr lang="en-GB" smtClean="0"/>
-              <a:t>02/09/2020</a:t>
+              <a:t>03/09/2020</a:t>
             </a:fld>
             <a:endParaRPr lang="en-GB"/>
           </a:p>
@@ -7676,8 +7676,8 @@
         </p:blipFill>
         <p:spPr>
           <a:xfrm>
-            <a:off x="7593842" y="4315910"/>
-            <a:ext cx="3610479" cy="2429214"/>
+            <a:off x="4904884" y="2506717"/>
+            <a:ext cx="6299437" cy="4238407"/>
           </a:xfrm>
           <a:prstGeom prst="rect">
             <a:avLst/>
@@ -7736,8 +7736,8 @@
         </p:blipFill>
         <p:spPr>
           <a:xfrm>
-            <a:off x="2049517" y="3904479"/>
-            <a:ext cx="2837103" cy="2484195"/>
+            <a:off x="2231313" y="4063661"/>
+            <a:ext cx="2655307" cy="2325013"/>
           </a:xfrm>
           <a:prstGeom prst="rect">
             <a:avLst/>
@@ -8036,8 +8036,8 @@
         </p:blipFill>
         <p:spPr>
           <a:xfrm>
-            <a:off x="232943" y="2404472"/>
-            <a:ext cx="6890233" cy="2049056"/>
+            <a:off x="1749972" y="2855614"/>
+            <a:ext cx="10065694" cy="2993392"/>
           </a:xfrm>
           <a:prstGeom prst="rect">
             <a:avLst/>

--- a/other/dev log.pptx
+++ b/other/dev log.pptx
@@ -49,7 +49,8 @@
     <p:sldId id="290" r:id="rId43"/>
     <p:sldId id="300" r:id="rId44"/>
     <p:sldId id="301" r:id="rId45"/>
-    <p:sldId id="289" r:id="rId46"/>
+    <p:sldId id="302" r:id="rId46"/>
+    <p:sldId id="289" r:id="rId47"/>
   </p:sldIdLst>
   <p:sldSz cx="12192000" cy="6858000"/>
   <p:notesSz cx="6858000" cy="9144000"/>
@@ -217,6 +218,7 @@
         <p14:section name="User interface/front end" id="{7F7CDCB5-50B3-4F98-93FA-A701A980199A}">
           <p14:sldIdLst>
             <p14:sldId id="301"/>
+            <p14:sldId id="302"/>
           </p14:sldIdLst>
         </p14:section>
         <p14:section name="password/encryption" id="{777C459F-DCA0-4D8A-A8E2-379703C0BB6F}">
@@ -382,7 +384,7 @@
           <a:p>
             <a:fld id="{95BB3272-C847-43E3-AE34-83B2109F1449}" type="datetimeFigureOut">
               <a:rPr lang="en-GB" smtClean="0"/>
-              <a:t>02/09/2020</a:t>
+              <a:t>01/12/2020</a:t>
             </a:fld>
             <a:endParaRPr lang="en-GB"/>
           </a:p>
@@ -582,7 +584,7 @@
           <a:p>
             <a:fld id="{95BB3272-C847-43E3-AE34-83B2109F1449}" type="datetimeFigureOut">
               <a:rPr lang="en-GB" smtClean="0"/>
-              <a:t>02/09/2020</a:t>
+              <a:t>01/12/2020</a:t>
             </a:fld>
             <a:endParaRPr lang="en-GB"/>
           </a:p>
@@ -792,7 +794,7 @@
           <a:p>
             <a:fld id="{95BB3272-C847-43E3-AE34-83B2109F1449}" type="datetimeFigureOut">
               <a:rPr lang="en-GB" smtClean="0"/>
-              <a:t>02/09/2020</a:t>
+              <a:t>01/12/2020</a:t>
             </a:fld>
             <a:endParaRPr lang="en-GB"/>
           </a:p>
@@ -992,7 +994,7 @@
           <a:p>
             <a:fld id="{95BB3272-C847-43E3-AE34-83B2109F1449}" type="datetimeFigureOut">
               <a:rPr lang="en-GB" smtClean="0"/>
-              <a:t>02/09/2020</a:t>
+              <a:t>01/12/2020</a:t>
             </a:fld>
             <a:endParaRPr lang="en-GB"/>
           </a:p>
@@ -1268,7 +1270,7 @@
           <a:p>
             <a:fld id="{95BB3272-C847-43E3-AE34-83B2109F1449}" type="datetimeFigureOut">
               <a:rPr lang="en-GB" smtClean="0"/>
-              <a:t>02/09/2020</a:t>
+              <a:t>01/12/2020</a:t>
             </a:fld>
             <a:endParaRPr lang="en-GB"/>
           </a:p>
@@ -1536,7 +1538,7 @@
           <a:p>
             <a:fld id="{95BB3272-C847-43E3-AE34-83B2109F1449}" type="datetimeFigureOut">
               <a:rPr lang="en-GB" smtClean="0"/>
-              <a:t>02/09/2020</a:t>
+              <a:t>01/12/2020</a:t>
             </a:fld>
             <a:endParaRPr lang="en-GB"/>
           </a:p>
@@ -1951,7 +1953,7 @@
           <a:p>
             <a:fld id="{95BB3272-C847-43E3-AE34-83B2109F1449}" type="datetimeFigureOut">
               <a:rPr lang="en-GB" smtClean="0"/>
-              <a:t>02/09/2020</a:t>
+              <a:t>01/12/2020</a:t>
             </a:fld>
             <a:endParaRPr lang="en-GB"/>
           </a:p>
@@ -2093,7 +2095,7 @@
           <a:p>
             <a:fld id="{95BB3272-C847-43E3-AE34-83B2109F1449}" type="datetimeFigureOut">
               <a:rPr lang="en-GB" smtClean="0"/>
-              <a:t>02/09/2020</a:t>
+              <a:t>01/12/2020</a:t>
             </a:fld>
             <a:endParaRPr lang="en-GB"/>
           </a:p>
@@ -2206,7 +2208,7 @@
           <a:p>
             <a:fld id="{95BB3272-C847-43E3-AE34-83B2109F1449}" type="datetimeFigureOut">
               <a:rPr lang="en-GB" smtClean="0"/>
-              <a:t>02/09/2020</a:t>
+              <a:t>01/12/2020</a:t>
             </a:fld>
             <a:endParaRPr lang="en-GB"/>
           </a:p>
@@ -2519,7 +2521,7 @@
           <a:p>
             <a:fld id="{95BB3272-C847-43E3-AE34-83B2109F1449}" type="datetimeFigureOut">
               <a:rPr lang="en-GB" smtClean="0"/>
-              <a:t>02/09/2020</a:t>
+              <a:t>01/12/2020</a:t>
             </a:fld>
             <a:endParaRPr lang="en-GB"/>
           </a:p>
@@ -2808,7 +2810,7 @@
           <a:p>
             <a:fld id="{95BB3272-C847-43E3-AE34-83B2109F1449}" type="datetimeFigureOut">
               <a:rPr lang="en-GB" smtClean="0"/>
-              <a:t>02/09/2020</a:t>
+              <a:t>01/12/2020</a:t>
             </a:fld>
             <a:endParaRPr lang="en-GB"/>
           </a:p>
@@ -3051,7 +3053,7 @@
           <a:p>
             <a:fld id="{95BB3272-C847-43E3-AE34-83B2109F1449}" type="datetimeFigureOut">
               <a:rPr lang="en-GB" smtClean="0"/>
-              <a:t>02/09/2020</a:t>
+              <a:t>01/12/2020</a:t>
             </a:fld>
             <a:endParaRPr lang="en-GB"/>
           </a:p>
@@ -9154,6 +9156,123 @@
           <p:cNvPr id="2" name="Title 1">
             <a:extLst>
               <a:ext uri="{FF2B5EF4-FFF2-40B4-BE49-F238E27FC236}">
+                <a16:creationId xmlns:a16="http://schemas.microsoft.com/office/drawing/2014/main" id="{64BD35AD-2E9A-4B90-B946-69EB7816EBED}"/>
+              </a:ext>
+            </a:extLst>
+          </p:cNvPr>
+          <p:cNvSpPr>
+            <a:spLocks noGrp="1"/>
+          </p:cNvSpPr>
+          <p:nvPr>
+            <p:ph type="title"/>
+          </p:nvPr>
+        </p:nvSpPr>
+        <p:spPr/>
+        <p:txBody>
+          <a:bodyPr/>
+          <a:lstStyle/>
+          <a:p>
+            <a:r>
+              <a:rPr lang="en-GB" dirty="0" err="1"/>
+              <a:t>Pyqt</a:t>
+            </a:r>
+            <a:r>
+              <a:rPr lang="en-GB" dirty="0"/>
+              <a:t> for the main game, we’re back. </a:t>
+            </a:r>
+            <a:r>
+              <a:rPr lang="en-GB"/>
+              <a:t>PYGAME BAD</a:t>
+            </a:r>
+            <a:endParaRPr lang="en-GB" dirty="0"/>
+          </a:p>
+        </p:txBody>
+      </p:sp>
+      <p:sp>
+        <p:nvSpPr>
+          <p:cNvPr id="3" name="Content Placeholder 2">
+            <a:extLst>
+              <a:ext uri="{FF2B5EF4-FFF2-40B4-BE49-F238E27FC236}">
+                <a16:creationId xmlns:a16="http://schemas.microsoft.com/office/drawing/2014/main" id="{88566069-EB8D-42B2-99A3-15EB707A5004}"/>
+              </a:ext>
+            </a:extLst>
+          </p:cNvPr>
+          <p:cNvSpPr>
+            <a:spLocks noGrp="1"/>
+          </p:cNvSpPr>
+          <p:nvPr>
+            <p:ph idx="1"/>
+          </p:nvPr>
+        </p:nvSpPr>
+        <p:spPr/>
+        <p:txBody>
+          <a:bodyPr/>
+          <a:lstStyle/>
+          <a:p>
+            <a:r>
+              <a:rPr lang="en-GB" dirty="0">
+                <a:hlinkClick r:id="rId2"/>
+              </a:rPr>
+              <a:t>https://wiki.python.org/moin/PyQt5/Threading%2C_Signals_and_Slots</a:t>
+            </a:r>
+            <a:r>
+              <a:rPr lang="en-GB" dirty="0"/>
+              <a:t> using this example I have been able to use qt’s built in threading and signals/slots to allow the </a:t>
+            </a:r>
+            <a:r>
+              <a:rPr lang="en-GB" dirty="0" err="1"/>
+              <a:t>ui</a:t>
+            </a:r>
+            <a:r>
+              <a:rPr lang="en-GB" dirty="0"/>
+              <a:t> event loop and my own networking connection loop to run concurrently and pass information to </a:t>
+            </a:r>
+            <a:r>
+              <a:rPr lang="en-GB" dirty="0" err="1"/>
+              <a:t>eachother</a:t>
+            </a:r>
+            <a:r>
+              <a:rPr lang="en-GB" dirty="0"/>
+              <a:t>. This solves all of my problems and it should now be smooth sailing</a:t>
+            </a:r>
+          </a:p>
+        </p:txBody>
+      </p:sp>
+    </p:spTree>
+    <p:extLst>
+      <p:ext uri="{BB962C8B-B14F-4D97-AF65-F5344CB8AC3E}">
+        <p14:creationId xmlns:p14="http://schemas.microsoft.com/office/powerpoint/2010/main" val="3436383060"/>
+      </p:ext>
+    </p:extLst>
+  </p:cSld>
+  <p:clrMapOvr>
+    <a:masterClrMapping/>
+  </p:clrMapOvr>
+</p:sld>
+</file>
+
+<file path=ppt/slides/slide46.xml><?xml version="1.0" encoding="utf-8"?>
+<p:sld xmlns:a="http://schemas.openxmlformats.org/drawingml/2006/main" xmlns:r="http://schemas.openxmlformats.org/officeDocument/2006/relationships" xmlns:p="http://schemas.openxmlformats.org/presentationml/2006/main">
+  <p:cSld>
+    <p:spTree>
+      <p:nvGrpSpPr>
+        <p:cNvPr id="1" name=""/>
+        <p:cNvGrpSpPr/>
+        <p:nvPr/>
+      </p:nvGrpSpPr>
+      <p:grpSpPr>
+        <a:xfrm>
+          <a:off x="0" y="0"/>
+          <a:ext cx="0" cy="0"/>
+          <a:chOff x="0" y="0"/>
+          <a:chExt cx="0" cy="0"/>
+        </a:xfrm>
+      </p:grpSpPr>
+      <p:sp>
+        <p:nvSpPr>
+          <p:cNvPr id="2" name="Title 1">
+            <a:extLst>
+              <a:ext uri="{FF2B5EF4-FFF2-40B4-BE49-F238E27FC236}">
                 <a16:creationId xmlns:a16="http://schemas.microsoft.com/office/drawing/2014/main" id="{8C420C27-33F0-478B-B5E0-A092E635F2D0}"/>
               </a:ext>
             </a:extLst>

--- a/other/dev log.pptx
+++ b/other/dev log.pptx
@@ -384,7 +384,7 @@
           <a:p>
             <a:fld id="{95BB3272-C847-43E3-AE34-83B2109F1449}" type="datetimeFigureOut">
               <a:rPr lang="en-GB" smtClean="0"/>
-              <a:t>01/12/2020</a:t>
+              <a:t>23/02/2021</a:t>
             </a:fld>
             <a:endParaRPr lang="en-GB"/>
           </a:p>
@@ -584,7 +584,7 @@
           <a:p>
             <a:fld id="{95BB3272-C847-43E3-AE34-83B2109F1449}" type="datetimeFigureOut">
               <a:rPr lang="en-GB" smtClean="0"/>
-              <a:t>01/12/2020</a:t>
+              <a:t>23/02/2021</a:t>
             </a:fld>
             <a:endParaRPr lang="en-GB"/>
           </a:p>
@@ -794,7 +794,7 @@
           <a:p>
             <a:fld id="{95BB3272-C847-43E3-AE34-83B2109F1449}" type="datetimeFigureOut">
               <a:rPr lang="en-GB" smtClean="0"/>
-              <a:t>01/12/2020</a:t>
+              <a:t>23/02/2021</a:t>
             </a:fld>
             <a:endParaRPr lang="en-GB"/>
           </a:p>
@@ -994,7 +994,7 @@
           <a:p>
             <a:fld id="{95BB3272-C847-43E3-AE34-83B2109F1449}" type="datetimeFigureOut">
               <a:rPr lang="en-GB" smtClean="0"/>
-              <a:t>01/12/2020</a:t>
+              <a:t>23/02/2021</a:t>
             </a:fld>
             <a:endParaRPr lang="en-GB"/>
           </a:p>
@@ -1270,7 +1270,7 @@
           <a:p>
             <a:fld id="{95BB3272-C847-43E3-AE34-83B2109F1449}" type="datetimeFigureOut">
               <a:rPr lang="en-GB" smtClean="0"/>
-              <a:t>01/12/2020</a:t>
+              <a:t>23/02/2021</a:t>
             </a:fld>
             <a:endParaRPr lang="en-GB"/>
           </a:p>
@@ -1538,7 +1538,7 @@
           <a:p>
             <a:fld id="{95BB3272-C847-43E3-AE34-83B2109F1449}" type="datetimeFigureOut">
               <a:rPr lang="en-GB" smtClean="0"/>
-              <a:t>01/12/2020</a:t>
+              <a:t>23/02/2021</a:t>
             </a:fld>
             <a:endParaRPr lang="en-GB"/>
           </a:p>
@@ -1953,7 +1953,7 @@
           <a:p>
             <a:fld id="{95BB3272-C847-43E3-AE34-83B2109F1449}" type="datetimeFigureOut">
               <a:rPr lang="en-GB" smtClean="0"/>
-              <a:t>01/12/2020</a:t>
+              <a:t>23/02/2021</a:t>
             </a:fld>
             <a:endParaRPr lang="en-GB"/>
           </a:p>
@@ -2095,7 +2095,7 @@
           <a:p>
             <a:fld id="{95BB3272-C847-43E3-AE34-83B2109F1449}" type="datetimeFigureOut">
               <a:rPr lang="en-GB" smtClean="0"/>
-              <a:t>01/12/2020</a:t>
+              <a:t>23/02/2021</a:t>
             </a:fld>
             <a:endParaRPr lang="en-GB"/>
           </a:p>
@@ -2208,7 +2208,7 @@
           <a:p>
             <a:fld id="{95BB3272-C847-43E3-AE34-83B2109F1449}" type="datetimeFigureOut">
               <a:rPr lang="en-GB" smtClean="0"/>
-              <a:t>01/12/2020</a:t>
+              <a:t>23/02/2021</a:t>
             </a:fld>
             <a:endParaRPr lang="en-GB"/>
           </a:p>
@@ -2521,7 +2521,7 @@
           <a:p>
             <a:fld id="{95BB3272-C847-43E3-AE34-83B2109F1449}" type="datetimeFigureOut">
               <a:rPr lang="en-GB" smtClean="0"/>
-              <a:t>01/12/2020</a:t>
+              <a:t>23/02/2021</a:t>
             </a:fld>
             <a:endParaRPr lang="en-GB"/>
           </a:p>
@@ -2810,7 +2810,7 @@
           <a:p>
             <a:fld id="{95BB3272-C847-43E3-AE34-83B2109F1449}" type="datetimeFigureOut">
               <a:rPr lang="en-GB" smtClean="0"/>
-              <a:t>01/12/2020</a:t>
+              <a:t>23/02/2021</a:t>
             </a:fld>
             <a:endParaRPr lang="en-GB"/>
           </a:p>
@@ -3053,7 +3053,7 @@
           <a:p>
             <a:fld id="{95BB3272-C847-43E3-AE34-83B2109F1449}" type="datetimeFigureOut">
               <a:rPr lang="en-GB" smtClean="0"/>
-              <a:t>01/12/2020</a:t>
+              <a:t>23/02/2021</a:t>
             </a:fld>
             <a:endParaRPr lang="en-GB"/>
           </a:p>

--- a/other/dev log.pptx
+++ b/other/dev log.pptx
@@ -384,7 +384,7 @@
           <a:p>
             <a:fld id="{95BB3272-C847-43E3-AE34-83B2109F1449}" type="datetimeFigureOut">
               <a:rPr lang="en-GB" smtClean="0"/>
-              <a:t>23/02/2021</a:t>
+              <a:t>05/05/2021</a:t>
             </a:fld>
             <a:endParaRPr lang="en-GB"/>
           </a:p>
@@ -584,7 +584,7 @@
           <a:p>
             <a:fld id="{95BB3272-C847-43E3-AE34-83B2109F1449}" type="datetimeFigureOut">
               <a:rPr lang="en-GB" smtClean="0"/>
-              <a:t>23/02/2021</a:t>
+              <a:t>05/05/2021</a:t>
             </a:fld>
             <a:endParaRPr lang="en-GB"/>
           </a:p>
@@ -794,7 +794,7 @@
           <a:p>
             <a:fld id="{95BB3272-C847-43E3-AE34-83B2109F1449}" type="datetimeFigureOut">
               <a:rPr lang="en-GB" smtClean="0"/>
-              <a:t>23/02/2021</a:t>
+              <a:t>05/05/2021</a:t>
             </a:fld>
             <a:endParaRPr lang="en-GB"/>
           </a:p>
@@ -994,7 +994,7 @@
           <a:p>
             <a:fld id="{95BB3272-C847-43E3-AE34-83B2109F1449}" type="datetimeFigureOut">
               <a:rPr lang="en-GB" smtClean="0"/>
-              <a:t>23/02/2021</a:t>
+              <a:t>05/05/2021</a:t>
             </a:fld>
             <a:endParaRPr lang="en-GB"/>
           </a:p>
@@ -1270,7 +1270,7 @@
           <a:p>
             <a:fld id="{95BB3272-C847-43E3-AE34-83B2109F1449}" type="datetimeFigureOut">
               <a:rPr lang="en-GB" smtClean="0"/>
-              <a:t>23/02/2021</a:t>
+              <a:t>05/05/2021</a:t>
             </a:fld>
             <a:endParaRPr lang="en-GB"/>
           </a:p>
@@ -1538,7 +1538,7 @@
           <a:p>
             <a:fld id="{95BB3272-C847-43E3-AE34-83B2109F1449}" type="datetimeFigureOut">
               <a:rPr lang="en-GB" smtClean="0"/>
-              <a:t>23/02/2021</a:t>
+              <a:t>05/05/2021</a:t>
             </a:fld>
             <a:endParaRPr lang="en-GB"/>
           </a:p>
@@ -1953,7 +1953,7 @@
           <a:p>
             <a:fld id="{95BB3272-C847-43E3-AE34-83B2109F1449}" type="datetimeFigureOut">
               <a:rPr lang="en-GB" smtClean="0"/>
-              <a:t>23/02/2021</a:t>
+              <a:t>05/05/2021</a:t>
             </a:fld>
             <a:endParaRPr lang="en-GB"/>
           </a:p>
@@ -2095,7 +2095,7 @@
           <a:p>
             <a:fld id="{95BB3272-C847-43E3-AE34-83B2109F1449}" type="datetimeFigureOut">
               <a:rPr lang="en-GB" smtClean="0"/>
-              <a:t>23/02/2021</a:t>
+              <a:t>05/05/2021</a:t>
             </a:fld>
             <a:endParaRPr lang="en-GB"/>
           </a:p>
@@ -2208,7 +2208,7 @@
           <a:p>
             <a:fld id="{95BB3272-C847-43E3-AE34-83B2109F1449}" type="datetimeFigureOut">
               <a:rPr lang="en-GB" smtClean="0"/>
-              <a:t>23/02/2021</a:t>
+              <a:t>05/05/2021</a:t>
             </a:fld>
             <a:endParaRPr lang="en-GB"/>
           </a:p>
@@ -2521,7 +2521,7 @@
           <a:p>
             <a:fld id="{95BB3272-C847-43E3-AE34-83B2109F1449}" type="datetimeFigureOut">
               <a:rPr lang="en-GB" smtClean="0"/>
-              <a:t>23/02/2021</a:t>
+              <a:t>05/05/2021</a:t>
             </a:fld>
             <a:endParaRPr lang="en-GB"/>
           </a:p>
@@ -2810,7 +2810,7 @@
           <a:p>
             <a:fld id="{95BB3272-C847-43E3-AE34-83B2109F1449}" type="datetimeFigureOut">
               <a:rPr lang="en-GB" smtClean="0"/>
-              <a:t>23/02/2021</a:t>
+              <a:t>05/05/2021</a:t>
             </a:fld>
             <a:endParaRPr lang="en-GB"/>
           </a:p>
@@ -3053,7 +3053,7 @@
           <a:p>
             <a:fld id="{95BB3272-C847-43E3-AE34-83B2109F1449}" type="datetimeFigureOut">
               <a:rPr lang="en-GB" smtClean="0"/>
-              <a:t>23/02/2021</a:t>
+              <a:t>05/05/2021</a:t>
             </a:fld>
             <a:endParaRPr lang="en-GB"/>
           </a:p>
@@ -3821,7 +3821,7 @@
           <a:p>
             <a:r>
               <a:rPr lang="en-GB" dirty="0"/>
-              <a:t>Ipv6 doesn’t need NAT, so I’m going to be looking at using ipv6 for my peer to peer network</a:t>
+              <a:t>Ipv6 doesn’t need NAT as each device has a unique ipv6 rather than routers having ipv4 which redirects to each device on the network which is what makes NAT necessary, so I’m going to be looking at using ipv6 for my peer to peer network</a:t>
             </a:r>
           </a:p>
           <a:p>
@@ -3831,10 +3831,7 @@
             <a:pPr marL="0" indent="0">
               <a:buNone/>
             </a:pPr>
-            <a:r>
-              <a:rPr lang="en-GB" dirty="0"/>
-              <a:t>Testing</a:t>
-            </a:r>
+            <a:endParaRPr lang="en-GB" dirty="0"/>
           </a:p>
         </p:txBody>
       </p:sp>
@@ -3919,15 +3916,7 @@
           <a:p>
             <a:r>
               <a:rPr lang="en-GB" dirty="0"/>
-              <a:t>Using a socket program I knew worked with ipv4 I tested what changes needed making for ipv6 integration, note that this file will </a:t>
-            </a:r>
-            <a:r>
-              <a:rPr lang="en-GB" dirty="0" err="1"/>
-              <a:t>likel</a:t>
-            </a:r>
-            <a:r>
-              <a:rPr lang="en-GB" dirty="0"/>
-              <a:t> be reverted to ipv4 for mass compatibility and tournament games will also likely use ipv4 for the same reason</a:t>
+              <a:t>Using a socket program I knew worked with ipv4 I tested what changes needed making for ipv6 integration, note that this file will likely be reverted to ipv4 for mass compatibility and tournament games will also likely use ipv4 for the same reason</a:t>
             </a:r>
           </a:p>
           <a:p>
@@ -3998,12 +3987,8 @@
           <a:lstStyle/>
           <a:p>
             <a:r>
-              <a:rPr lang="en-GB" dirty="0" err="1"/>
-              <a:t>Tetsing</a:t>
-            </a:r>
-            <a:r>
-              <a:rPr lang="en-GB" dirty="0"/>
-              <a:t> ipv6, host changes/output</a:t>
+              <a:rPr lang="en-GB" dirty="0"/>
+              <a:t>Testing ipv6, host changes/output</a:t>
             </a:r>
           </a:p>
         </p:txBody>
@@ -4721,7 +4706,7 @@
         </p:blipFill>
         <p:spPr>
           <a:xfrm>
-            <a:off x="1747530" y="5005624"/>
+            <a:off x="1486273" y="2571630"/>
             <a:ext cx="7468642" cy="857370"/>
           </a:xfrm>
         </p:spPr>
@@ -4740,7 +4725,7 @@
         </p:nvSpPr>
         <p:spPr>
           <a:xfrm>
-            <a:off x="7519916" y="5005624"/>
+            <a:off x="7258659" y="2571630"/>
             <a:ext cx="532263" cy="221469"/>
           </a:xfrm>
           <a:prstGeom prst="ellipse">
@@ -4910,7 +4895,15 @@
           <a:p>
             <a:r>
               <a:rPr lang="en-GB" dirty="0"/>
-              <a:t> </a:t>
+              <a:t>This is </a:t>
+            </a:r>
+            <a:r>
+              <a:rPr lang="en-GB" dirty="0" err="1"/>
+              <a:t>unfeasable</a:t>
+            </a:r>
+            <a:r>
+              <a:rPr lang="en-GB" dirty="0"/>
+              <a:t> and a return to client server is necessary just to get this element of the project done</a:t>
             </a:r>
           </a:p>
         </p:txBody>
@@ -5533,7 +5526,7 @@
         </p:spPr>
         <p:txBody>
           <a:bodyPr>
-            <a:normAutofit fontScale="77500" lnSpcReduction="20000"/>
+            <a:normAutofit fontScale="70000" lnSpcReduction="20000"/>
           </a:bodyPr>
           <a:lstStyle/>
           <a:p>
@@ -5636,7 +5629,7 @@
         </p:spPr>
         <p:txBody>
           <a:bodyPr>
-            <a:normAutofit fontScale="77500" lnSpcReduction="20000"/>
+            <a:normAutofit fontScale="70000" lnSpcReduction="20000"/>
           </a:bodyPr>
           <a:lstStyle/>
           <a:p>
@@ -5660,7 +5653,7 @@
           <a:p>
             <a:r>
               <a:rPr lang="en-GB" dirty="0"/>
-              <a:t>Could be faster using </a:t>
+              <a:t>Could be even faster using </a:t>
             </a:r>
             <a:r>
               <a:rPr lang="en-GB" dirty="0" err="1"/>
@@ -5669,6 +5662,12 @@
             <a:r>
               <a:rPr lang="en-GB" dirty="0"/>
               <a:t> but this is not supported in python 3.x yet</a:t>
+            </a:r>
+          </a:p>
+          <a:p>
+            <a:r>
+              <a:rPr lang="en-GB" dirty="0"/>
+              <a:t>Directly to bytes rather than array -&gt; string -&gt; bytes</a:t>
             </a:r>
           </a:p>
         </p:txBody>
